--- a/week12/Movies.pptx
+++ b/week12/Movies.pptx
@@ -22,8 +22,9 @@
     <p:sldId id="267" r:id="rId16"/>
     <p:sldId id="271" r:id="rId17"/>
     <p:sldId id="276" r:id="rId18"/>
-    <p:sldId id="287" r:id="rId19"/>
-    <p:sldId id="288" r:id="rId20"/>
+    <p:sldId id="289" r:id="rId19"/>
+    <p:sldId id="287" r:id="rId20"/>
+    <p:sldId id="288" r:id="rId21"/>
   </p:sldIdLst>
   <p:sldSz cx="12192000" cy="6858000"/>
   <p:notesSz cx="6858000" cy="9144000"/>
@@ -269,7 +270,7 @@
           <a:p>
             <a:fld id="{48A87A34-81AB-432B-8DAE-1953F412C126}" type="datetimeFigureOut">
               <a:rPr lang="en-US" dirty="0"/>
-              <a:t>4/29/16</a:t>
+              <a:t>5/3/16</a:t>
             </a:fld>
             <a:endParaRPr lang="en-US" dirty="0"/>
           </a:p>
@@ -475,7 +476,7 @@
           <a:p>
             <a:fld id="{48A87A34-81AB-432B-8DAE-1953F412C126}" type="datetimeFigureOut">
               <a:rPr lang="en-US" dirty="0"/>
-              <a:t>4/29/16</a:t>
+              <a:t>5/3/16</a:t>
             </a:fld>
             <a:endParaRPr lang="en-US" dirty="0"/>
           </a:p>
@@ -685,7 +686,7 @@
           <a:p>
             <a:fld id="{48A87A34-81AB-432B-8DAE-1953F412C126}" type="datetimeFigureOut">
               <a:rPr lang="en-US" dirty="0"/>
-              <a:t>4/29/16</a:t>
+              <a:t>5/3/16</a:t>
             </a:fld>
             <a:endParaRPr lang="en-US" dirty="0"/>
           </a:p>
@@ -881,7 +882,7 @@
           <a:p>
             <a:fld id="{48A87A34-81AB-432B-8DAE-1953F412C126}" type="datetimeFigureOut">
               <a:rPr lang="en-US" dirty="0"/>
-              <a:t>4/29/16</a:t>
+              <a:t>5/3/16</a:t>
             </a:fld>
             <a:endParaRPr lang="en-US" dirty="0"/>
           </a:p>
@@ -1155,7 +1156,7 @@
           <a:p>
             <a:fld id="{48A87A34-81AB-432B-8DAE-1953F412C126}" type="datetimeFigureOut">
               <a:rPr lang="en-US" dirty="0"/>
-              <a:t>4/29/16</a:t>
+              <a:t>5/3/16</a:t>
             </a:fld>
             <a:endParaRPr lang="en-US" dirty="0"/>
           </a:p>
@@ -1418,7 +1419,7 @@
           <a:p>
             <a:fld id="{48A87A34-81AB-432B-8DAE-1953F412C126}" type="datetimeFigureOut">
               <a:rPr lang="en-US" dirty="0"/>
-              <a:t>4/29/16</a:t>
+              <a:t>5/3/16</a:t>
             </a:fld>
             <a:endParaRPr lang="en-US" dirty="0"/>
           </a:p>
@@ -1829,7 +1830,7 @@
           <a:p>
             <a:fld id="{48A87A34-81AB-432B-8DAE-1953F412C126}" type="datetimeFigureOut">
               <a:rPr lang="en-US" dirty="0"/>
-              <a:t>4/29/16</a:t>
+              <a:t>5/3/16</a:t>
             </a:fld>
             <a:endParaRPr lang="en-US" dirty="0"/>
           </a:p>
@@ -1973,7 +1974,7 @@
           <a:p>
             <a:fld id="{48A87A34-81AB-432B-8DAE-1953F412C126}" type="datetimeFigureOut">
               <a:rPr lang="en-US" dirty="0"/>
-              <a:t>4/29/16</a:t>
+              <a:t>5/3/16</a:t>
             </a:fld>
             <a:endParaRPr lang="en-US" dirty="0"/>
           </a:p>
@@ -2094,7 +2095,7 @@
           <a:p>
             <a:fld id="{48A87A34-81AB-432B-8DAE-1953F412C126}" type="datetimeFigureOut">
               <a:rPr lang="en-US" dirty="0"/>
-              <a:t>4/29/16</a:t>
+              <a:t>5/3/16</a:t>
             </a:fld>
             <a:endParaRPr lang="en-US" dirty="0"/>
           </a:p>
@@ -2340,7 +2341,7 @@
           <a:p>
             <a:fld id="{48A87A34-81AB-432B-8DAE-1953F412C126}" type="datetimeFigureOut">
               <a:rPr lang="en-US" dirty="0"/>
-              <a:t>4/29/16</a:t>
+              <a:t>5/3/16</a:t>
             </a:fld>
             <a:endParaRPr lang="en-US" dirty="0"/>
           </a:p>
@@ -2781,7 +2782,7 @@
             <a:fld id="{48A87A34-81AB-432B-8DAE-1953F412C126}" type="datetimeFigureOut">
               <a:rPr lang="en-US" dirty="0"/>
               <a:pPr/>
-              <a:t>4/29/16</a:t>
+              <a:t>5/3/16</a:t>
             </a:fld>
             <a:endParaRPr lang="en-US" dirty="0"/>
           </a:p>
@@ -3103,7 +3104,7 @@
             <a:fld id="{48A87A34-81AB-432B-8DAE-1953F412C126}" type="datetimeFigureOut">
               <a:rPr lang="en-US" dirty="0"/>
               <a:pPr/>
-              <a:t>4/29/16</a:t>
+              <a:t>5/3/16</a:t>
             </a:fld>
             <a:endParaRPr lang="en-US" dirty="0"/>
           </a:p>
@@ -4663,7 +4664,11 @@
           <a:p>
             <a:r>
               <a:rPr lang="en-US" dirty="0" smtClean="0"/>
-              <a:t>Top AND Bottom 20% contribution on no of weeks</a:t>
+              <a:t>GINI INDEX FOR Songs with rolling average  for 1 year (Top </a:t>
+            </a:r>
+            <a:r>
+              <a:rPr lang="en-US" dirty="0" smtClean="0"/>
+              <a:t>10) SINCE 1982</a:t>
             </a:r>
             <a:endParaRPr lang="en-US" dirty="0"/>
           </a:p>
@@ -4671,7 +4676,7 @@
       </p:sp>
       <p:pic>
         <p:nvPicPr>
-          <p:cNvPr id="4" name="Content Placeholder 3"/>
+          <p:cNvPr id="6" name="Content Placeholder 3"/>
           <p:cNvPicPr>
             <a:picLocks noGrp="1" noChangeAspect="1"/>
           </p:cNvPicPr>
@@ -4693,21 +4698,28 @@
         </p:blipFill>
         <p:spPr>
           <a:xfrm>
-            <a:off x="1585914" y="2016124"/>
-            <a:ext cx="9468940" cy="4056063"/>
+            <a:off x="1451580" y="2016125"/>
+            <a:ext cx="9603274" cy="3970338"/>
           </a:xfrm>
         </p:spPr>
       </p:pic>
     </p:spTree>
     <p:extLst>
       <p:ext uri="{BB962C8B-B14F-4D97-AF65-F5344CB8AC3E}">
-        <p14:creationId xmlns:p14="http://schemas.microsoft.com/office/powerpoint/2010/main" val="377726802"/>
+        <p14:creationId xmlns:p14="http://schemas.microsoft.com/office/powerpoint/2010/main" val="11112738"/>
       </p:ext>
     </p:extLst>
   </p:cSld>
   <p:clrMapOvr>
     <a:masterClrMapping/>
   </p:clrMapOvr>
+  <p:timing>
+    <p:tnLst>
+      <p:par>
+        <p:cTn id="1" dur="indefinite" restart="never" nodeType="tmRoot"/>
+      </p:par>
+    </p:tnLst>
+  </p:timing>
 </p:sld>
 </file>
 
@@ -4745,7 +4757,7 @@
           <a:p>
             <a:r>
               <a:rPr lang="en-US" dirty="0" smtClean="0"/>
-              <a:t>Gini co-efficient for market share</a:t>
+              <a:t>Top AND Bottom 20% contribution on no of weeks</a:t>
             </a:r>
             <a:endParaRPr lang="en-US" dirty="0"/>
           </a:p>
@@ -4753,7 +4765,7 @@
       </p:sp>
       <p:pic>
         <p:nvPicPr>
-          <p:cNvPr id="5" name="Content Placeholder 4"/>
+          <p:cNvPr id="4" name="Content Placeholder 3"/>
           <p:cNvPicPr>
             <a:picLocks noGrp="1" noChangeAspect="1"/>
           </p:cNvPicPr>
@@ -4775,21 +4787,28 @@
         </p:blipFill>
         <p:spPr>
           <a:xfrm>
-            <a:off x="1451580" y="2016125"/>
-            <a:ext cx="9603274" cy="4013200"/>
+            <a:off x="1585914" y="2016124"/>
+            <a:ext cx="9468940" cy="4056063"/>
           </a:xfrm>
         </p:spPr>
       </p:pic>
     </p:spTree>
     <p:extLst>
       <p:ext uri="{BB962C8B-B14F-4D97-AF65-F5344CB8AC3E}">
-        <p14:creationId xmlns:p14="http://schemas.microsoft.com/office/powerpoint/2010/main" val="1737386829"/>
+        <p14:creationId xmlns:p14="http://schemas.microsoft.com/office/powerpoint/2010/main" val="377726802"/>
       </p:ext>
     </p:extLst>
   </p:cSld>
   <p:clrMapOvr>
     <a:masterClrMapping/>
   </p:clrMapOvr>
+  <p:timing>
+    <p:tnLst>
+      <p:par>
+        <p:cTn id="1" dur="indefinite" restart="never" nodeType="tmRoot"/>
+      </p:par>
+    </p:tnLst>
+  </p:timing>
 </p:sld>
 </file>
 
@@ -4968,6 +4987,95 @@
     <p:extLst>
       <p:ext uri="{BB962C8B-B14F-4D97-AF65-F5344CB8AC3E}">
         <p14:creationId xmlns:p14="http://schemas.microsoft.com/office/powerpoint/2010/main" val="1050221896"/>
+      </p:ext>
+    </p:extLst>
+  </p:cSld>
+  <p:clrMapOvr>
+    <a:masterClrMapping/>
+  </p:clrMapOvr>
+  <p:timing>
+    <p:tnLst>
+      <p:par>
+        <p:cTn id="1" dur="indefinite" restart="never" nodeType="tmRoot"/>
+      </p:par>
+    </p:tnLst>
+  </p:timing>
+</p:sld>
+</file>
+
+<file path=ppt/slides/slide20.xml><?xml version="1.0" encoding="utf-8"?>
+<p:sld xmlns:a="http://schemas.openxmlformats.org/drawingml/2006/main" xmlns:r="http://schemas.openxmlformats.org/officeDocument/2006/relationships" xmlns:p="http://schemas.openxmlformats.org/presentationml/2006/main">
+  <p:cSld>
+    <p:spTree>
+      <p:nvGrpSpPr>
+        <p:cNvPr id="1" name=""/>
+        <p:cNvGrpSpPr/>
+        <p:nvPr/>
+      </p:nvGrpSpPr>
+      <p:grpSpPr>
+        <a:xfrm>
+          <a:off x="0" y="0"/>
+          <a:ext cx="0" cy="0"/>
+          <a:chOff x="0" y="0"/>
+          <a:chExt cx="0" cy="0"/>
+        </a:xfrm>
+      </p:grpSpPr>
+      <p:sp>
+        <p:nvSpPr>
+          <p:cNvPr id="2" name="Title 1"/>
+          <p:cNvSpPr>
+            <a:spLocks noGrp="1"/>
+          </p:cNvSpPr>
+          <p:nvPr>
+            <p:ph type="title"/>
+          </p:nvPr>
+        </p:nvSpPr>
+        <p:spPr/>
+        <p:txBody>
+          <a:bodyPr/>
+          <a:lstStyle/>
+          <a:p>
+            <a:r>
+              <a:rPr lang="en-US" dirty="0" smtClean="0"/>
+              <a:t>Gini co-efficient for market share</a:t>
+            </a:r>
+            <a:endParaRPr lang="en-US" dirty="0"/>
+          </a:p>
+        </p:txBody>
+      </p:sp>
+      <p:pic>
+        <p:nvPicPr>
+          <p:cNvPr id="5" name="Content Placeholder 4"/>
+          <p:cNvPicPr>
+            <a:picLocks noGrp="1" noChangeAspect="1"/>
+          </p:cNvPicPr>
+          <p:nvPr>
+            <p:ph idx="1"/>
+          </p:nvPr>
+        </p:nvPicPr>
+        <p:blipFill>
+          <a:blip r:embed="rId2">
+            <a:extLst>
+              <a:ext uri="{28A0092B-C50C-407E-A947-70E740481C1C}">
+                <a14:useLocalDpi xmlns:a14="http://schemas.microsoft.com/office/drawing/2010/main" val="0"/>
+              </a:ext>
+            </a:extLst>
+          </a:blip>
+          <a:stretch>
+            <a:fillRect/>
+          </a:stretch>
+        </p:blipFill>
+        <p:spPr>
+          <a:xfrm>
+            <a:off x="1451580" y="2016125"/>
+            <a:ext cx="9603274" cy="4013200"/>
+          </a:xfrm>
+        </p:spPr>
+      </p:pic>
+    </p:spTree>
+    <p:extLst>
+      <p:ext uri="{BB962C8B-B14F-4D97-AF65-F5344CB8AC3E}">
+        <p14:creationId xmlns:p14="http://schemas.microsoft.com/office/powerpoint/2010/main" val="1737386829"/>
       </p:ext>
     </p:extLst>
   </p:cSld>
